--- a/ClassMaterials/IntroToUnitTesting/Slides/Part3-ConsoleInput.pptx
+++ b/ClassMaterials/IntroToUnitTesting/Slides/Part3-ConsoleInput.pptx
@@ -5,16 +5,17 @@
     <p:sldMasterId id="2147483927" r:id="rId4"/>
   </p:sldMasterIdLst>
   <p:notesMasterIdLst>
-    <p:notesMasterId r:id="rId9"/>
+    <p:notesMasterId r:id="rId10"/>
   </p:notesMasterIdLst>
   <p:handoutMasterIdLst>
-    <p:handoutMasterId r:id="rId10"/>
+    <p:handoutMasterId r:id="rId11"/>
   </p:handoutMasterIdLst>
   <p:sldIdLst>
     <p:sldId id="256" r:id="rId5"/>
     <p:sldId id="278" r:id="rId6"/>
-    <p:sldId id="279" r:id="rId7"/>
-    <p:sldId id="280" r:id="rId8"/>
+    <p:sldId id="281" r:id="rId7"/>
+    <p:sldId id="279" r:id="rId8"/>
+    <p:sldId id="280" r:id="rId9"/>
   </p:sldIdLst>
   <p:sldSz cx="9144000" cy="6858000" type="screen4x3"/>
   <p:notesSz cx="7010400" cy="9296400"/>
@@ -279,7 +280,7 @@
               <a:pPr>
                 <a:defRPr/>
               </a:pPr>
-              <a:t>11/20/22</a:t>
+              <a:t>1/5/2023</a:t>
             </a:fld>
             <a:endParaRPr lang="en-US"/>
           </a:p>
@@ -395,6 +396,118 @@
   </p:cSld>
   <p:clrMap bg1="lt1" tx1="dk1" bg2="lt2" tx2="dk2" accent1="accent1" accent2="accent2" accent3="accent3" accent4="accent4" accent5="accent5" accent6="accent6" hlink="hlink" folHlink="folHlink"/>
 </p:handoutMaster>
+</file>
+
+<file path=ppt/ink/ink1.xml><?xml version="1.0" encoding="utf-8"?>
+<inkml:ink xmlns:inkml="http://www.w3.org/2003/InkML">
+  <inkml:definitions>
+    <inkml:context xml:id="ctx0">
+      <inkml:inkSource xml:id="inkSrc0">
+        <inkml:traceFormat>
+          <inkml:channel name="X" type="integer" min="-2.14748E9" max="2.14748E9" units="cm"/>
+          <inkml:channel name="Y" type="integer" min="-2.14748E9" max="2.14748E9" units="cm"/>
+          <inkml:channel name="F" type="integer" max="32767" units="dev"/>
+        </inkml:traceFormat>
+        <inkml:channelProperties>
+          <inkml:channelProperty channel="X" name="resolution" value="1000" units="1/cm"/>
+          <inkml:channelProperty channel="Y" name="resolution" value="1000" units="1/cm"/>
+          <inkml:channelProperty channel="F" name="resolution" value="0" units="1/dev"/>
+        </inkml:channelProperties>
+      </inkml:inkSource>
+      <inkml:timestamp xml:id="ts0" timeString="2023-01-05T18:03:27.326"/>
+    </inkml:context>
+    <inkml:brush xml:id="br0">
+      <inkml:brushProperty name="width" value="0.05" units="cm"/>
+      <inkml:brushProperty name="height" value="0.05" units="cm"/>
+      <inkml:brushProperty name="color" value="#E71224"/>
+    </inkml:brush>
+  </inkml:definitions>
+  <inkml:trace contextRef="#ctx0" brushRef="#br0">468 3057 24575,'-2'-4'0,"-1"0"0,1 0 0,0 0 0,0 0 0,0 0 0,1 0 0,-1-1 0,1 1 0,0-1 0,1 1 0,-1-1 0,1-6 0,-3-10 0,-21-110 0,6-2 0,-2-212 0,-9-24 0,1 22 0,28-669 0,1 453 0,0 558 0,-1 0 0,-1 1 0,1-1 0,0 0 0,-1 0 0,0 1 0,0-1 0,-3-6 0,3 9 0,0 1 0,0-1 0,0 1 0,-1 0 0,1-1 0,0 1 0,-1 0 0,1 0 0,0 0 0,-1 0 0,1 0 0,-1 0 0,0 0 0,1 1 0,-1-1 0,0 0 0,1 1 0,-1-1 0,0 1 0,0 0 0,0 0 0,1 0 0,-1-1 0,0 2 0,-2-1 0,-8 1 0,0 0 0,1 1 0,-1 1 0,1 0 0,0 0 0,-1 1 0,2 1 0,-16 7 0,-80 55 0,87-54 0,-6 6 0,15-7 0,9-12 0,1 0 0,0 0 0,0 1 0,0-1 0,0 0 0,0 0 0,0 0 0,0 0 0,-1 1 0,1-1 0,0 0 0,0 0 0,0 0 0,0 1 0,0-1 0,0 0 0,0 0 0,0 1 0,0-1 0,0 0 0,0 0 0,0 0 0,0 1 0,0-1 0,0 0 0,0 0 0,0 0 0,1 1 0,-1-1 0,0 0 0,0 0 0,0 0 0,0 0 0,0 1 0,0-1 0,1 0 0,-1 0 0,0 0 0,0 0 0,0 0 0,0 1 0,1-1 0,1 0 0,0 0 0,0 0 0,0 0 0,0 0 0,0 0 0,0 0 0,0 0 0,0-1 0,0 1 0,0-1 0,0 1 0,0-1 0,2-1 0,29-14 0,-30 14 0,7-4 0,-2 0 0,1 0 0,-1-1 0,9-8 0,-9 6 0,2 1 0,18-13 0,-20 16 0,1 0 0,0 1 0,0 0 0,0 1 0,0-1 0,1 2 0,-1-1 0,1 1 0,0 1 0,-1 0 0,1 0 0,16 1 0,-15 2 0,0 0 0,-1 0 0,1 1 0,-1 1 0,0-1 0,0 2 0,0-1 0,0 1 0,-1 1 0,0 0 0,11 9 0,133 111-1365,-130-107-5461</inkml:trace>
+</inkml:ink>
+</file>
+
+<file path=ppt/ink/ink2.xml><?xml version="1.0" encoding="utf-8"?>
+<inkml:ink xmlns:inkml="http://www.w3.org/2003/InkML">
+  <inkml:definitions>
+    <inkml:context xml:id="ctx0">
+      <inkml:inkSource xml:id="inkSrc0">
+        <inkml:traceFormat>
+          <inkml:channel name="X" type="integer" min="-2.14748E9" max="2.14748E9" units="cm"/>
+          <inkml:channel name="Y" type="integer" min="-2.14748E9" max="2.14748E9" units="cm"/>
+          <inkml:channel name="F" type="integer" max="32767" units="dev"/>
+        </inkml:traceFormat>
+        <inkml:channelProperties>
+          <inkml:channelProperty channel="X" name="resolution" value="1000" units="1/cm"/>
+          <inkml:channelProperty channel="Y" name="resolution" value="1000" units="1/cm"/>
+          <inkml:channelProperty channel="F" name="resolution" value="0" units="1/dev"/>
+        </inkml:channelProperties>
+      </inkml:inkSource>
+      <inkml:timestamp xml:id="ts0" timeString="2023-01-05T18:03:39.663"/>
+    </inkml:context>
+    <inkml:brush xml:id="br0">
+      <inkml:brushProperty name="width" value="0.05" units="cm"/>
+      <inkml:brushProperty name="height" value="0.05" units="cm"/>
+      <inkml:brushProperty name="color" value="#E71224"/>
+    </inkml:brush>
+  </inkml:definitions>
+  <inkml:trace contextRef="#ctx0" brushRef="#br0">0 3494 24575,'1'-2'0,"0"-1"0,1 1 0,-1 0 0,0-1 0,1 1 0,0 0 0,-1 0 0,1 0 0,0 0 0,0 0 0,0 0 0,0 1 0,1-1 0,-1 1 0,5-3 0,-1 0 0,30-17 0,1 2 0,0 2 0,1 1 0,62-16 0,-18 5 0,378-139 0,216-74 0,-550 200 0,-62 22 0,-1-3 0,-1-3 0,74-39 0,-46 6 0,124-104 0,-126 90 0,105-63 0,33 6 0,-98 59 0,198-144 0,-179 96 0,100-77 0,-222 175 0,-2-2 0,0-1 0,30-36 0,50-80 0,-14 18 0,41-63 0,-51 65 0,11-7 0,294-424 0,-356 503 0,36-79 0,-37 70 0,-21 36 0,-10 11 0,1 7 0,1 1 0,-1 0 0,1 0 0,-1 0 0,1 0 0,0 0 0,-1 1 0,1-1 0,-1 1 0,1 0 0,0-1 0,-4 3 0,-107 46 0,11-4 0,-303 92 0,133-48 0,252-81 0,20-8 0,0 0 0,0 0 0,0 0 0,0 0 0,0 0 0,0 0 0,0 0 0,0 0 0,0 0 0,0 0 0,0 0 0,1 0 0,-1 0 0,0 0 0,0 0 0,0 0 0,0 0 0,0 0 0,0 0 0,0 1 0,0-1 0,0 0 0,0 0 0,0 0 0,0 0 0,0 0 0,0 0 0,0 0 0,0 0 0,0 0 0,0 0 0,0 0 0,0 0 0,0 0 0,0 0 0,0 0 0,0 1 0,0-1 0,0 0 0,0 0 0,36-7 0,429-133 0,-276 80 0,-150 47 0,-1-2 0,51-27 0,-81 38 0,-1 0 0,1 0 0,0 1 0,0 1 0,0-1 0,1 1 0,-1 1 0,1-1 0,13 1 0,-17 1 0,0 0 0,-1 1 0,1 0 0,0 0 0,0 0 0,0 1 0,-1-1 0,1 1 0,-1 0 0,1 0 0,-1 1 0,0-1 0,0 1 0,0 0 0,0 0 0,-1 1 0,7 6 0,22 33 0,-2 1 0,-1 2 0,35 79 0,-35-69 0,78 165 0,88 261 0,-182-446-682,17 35-1,-14-41-6143</inkml:trace>
+</inkml:ink>
+</file>
+
+<file path=ppt/ink/ink3.xml><?xml version="1.0" encoding="utf-8"?>
+<inkml:ink xmlns:inkml="http://www.w3.org/2003/InkML">
+  <inkml:definitions>
+    <inkml:context xml:id="ctx0">
+      <inkml:inkSource xml:id="inkSrc0">
+        <inkml:traceFormat>
+          <inkml:channel name="X" type="integer" min="-2.14748E9" max="2.14748E9" units="cm"/>
+          <inkml:channel name="Y" type="integer" min="-2.14748E9" max="2.14748E9" units="cm"/>
+          <inkml:channel name="F" type="integer" max="32767" units="dev"/>
+        </inkml:traceFormat>
+        <inkml:channelProperties>
+          <inkml:channelProperty channel="X" name="resolution" value="1000" units="1/cm"/>
+          <inkml:channelProperty channel="Y" name="resolution" value="1000" units="1/cm"/>
+          <inkml:channelProperty channel="F" name="resolution" value="0" units="1/dev"/>
+        </inkml:channelProperties>
+      </inkml:inkSource>
+      <inkml:timestamp xml:id="ts0" timeString="2023-01-05T18:03:42.337"/>
+    </inkml:context>
+    <inkml:brush xml:id="br0">
+      <inkml:brushProperty name="width" value="0.05" units="cm"/>
+      <inkml:brushProperty name="height" value="0.05" units="cm"/>
+      <inkml:brushProperty name="color" value="#E71224"/>
+    </inkml:brush>
+  </inkml:definitions>
+  <inkml:trace contextRef="#ctx0" brushRef="#br0">1 3382 24575,'243'1'-8,"1270"-26"-79,-786-35-338,-476 35 374,114-24 27,-280 31 64,-1-4-1,100-40 1,-20-5 405,239-86-414,921-318-31,-670 244 0,-551 194 0,240-82 0,-237 74 0,119-64 0,-120 51 0,-53 30 0,-1-3 0,90-64 0,-118 73 0,35-28 0,117-72 0,105-58 0,-83 49 0,-175 114 0,233-153 0,-223 142 0,-1-1 0,-1-2 0,-1-1 0,-2-1 0,35-49 0,-27 31 0,2 0 0,2 3 0,2 1 0,58-47 0,199-124 0,-254 184 0,-3-1 0,0-3 0,49-52 0,-26 11 0,-63 74 0,-1 1 0,1-1 0,0 1 0,-1-1 0,1 0 0,-1 1 0,0-1 0,1 0 0,-1 1 0,1-1 0,-1 0 0,0 1 0,0-1 0,1 0 0,-1 0 0,0 0 0,0 1 0,0-1 0,0 0 0,0 0 0,0 1 0,0-1 0,0 0 0,0 0 0,-1-1 0,1 2 0,-1-1 0,0 1 0,1-1 0,-1 0 0,0 1 0,0 0 0,1-1 0,-1 1 0,0-1 0,0 1 0,0 0 0,0 0 0,0-1 0,1 1 0,-1 0 0,0 0 0,0 0 0,-1 0 0,-48 5 0,-55 19 0,0 5 0,-113 48 0,87-28 0,116-44 0,16-6 0,28-10 0,9-4 0,42-17 0,-35 16 0,-1-2 0,-1-2 0,-1-2 0,50-34 0,-78 46 0,1 0 0,0 1 0,0 0 0,21-8 0,-28 14 0,1 0 0,-1 1 0,1 0 0,-1 0 0,1 1 0,0 0 0,-1 1 0,1-1 0,0 2 0,12 1 0,-18-2 0,0 1 0,-1 0 0,1 0 0,0 0 0,-1 0 0,1 1 0,-1-1 0,0 1 0,1-1 0,-1 1 0,0 0 0,0 0 0,0 0 0,0 0 0,0 0 0,-1 0 0,3 4 0,2 4 0,-1 0 0,0 1 0,3 11 0,-6-16 0,17 58 0,-2 1 0,12 107 0,-12-65 0,0-2 0,23 109 0,-38-207-170,0-1-1,0 1 0,1-1 1,0 0-1,0 0 0,0 0 1,8 10-1,5 0-6655</inkml:trace>
+</inkml:ink>
+</file>
+
+<file path=ppt/ink/ink4.xml><?xml version="1.0" encoding="utf-8"?>
+<inkml:ink xmlns:inkml="http://www.w3.org/2003/InkML">
+  <inkml:definitions>
+    <inkml:context xml:id="ctx0">
+      <inkml:inkSource xml:id="inkSrc0">
+        <inkml:traceFormat>
+          <inkml:channel name="X" type="integer" min="-2.14748E9" max="2.14748E9" units="cm"/>
+          <inkml:channel name="Y" type="integer" min="-2.14748E9" max="2.14748E9" units="cm"/>
+          <inkml:channel name="F" type="integer" max="32767" units="dev"/>
+        </inkml:traceFormat>
+        <inkml:channelProperties>
+          <inkml:channelProperty channel="X" name="resolution" value="1000" units="1/cm"/>
+          <inkml:channelProperty channel="Y" name="resolution" value="1000" units="1/cm"/>
+          <inkml:channelProperty channel="F" name="resolution" value="0" units="1/dev"/>
+        </inkml:channelProperties>
+      </inkml:inkSource>
+      <inkml:timestamp xml:id="ts0" timeString="2023-01-05T18:03:45.420"/>
+    </inkml:context>
+    <inkml:brush xml:id="br0">
+      <inkml:brushProperty name="width" value="0.05" units="cm"/>
+      <inkml:brushProperty name="height" value="0.05" units="cm"/>
+      <inkml:brushProperty name="color" value="#E71224"/>
+    </inkml:brush>
+  </inkml:definitions>
+  <inkml:trace contextRef="#ctx0" brushRef="#br0">0 3065 24575,'0'1'0,"1"0"0,-1 0 0,0 0 0,1 0 0,-1 0 0,1 0 0,-1 0 0,1 0 0,-1-1 0,1 1 0,-1 0 0,1 0 0,0 0 0,0-1 0,-1 1 0,1-1 0,0 1 0,0 0 0,0-1 0,0 1 0,1 0 0,24 10 0,-18-8 0,354 135 0,-264-102 0,677 205 0,-564-192 0,385 36 0,199-41 0,-615-36 0,1061-26 0,-1130 10 0,547-43 0,98-51 0,388-84 0,-1056 174 0,398-44 0,-408 50 0,0-3 0,-1-3 0,-1-4 0,86-29 0,289-95 0,-162 87 0,-125 25 0,-98 14 0,0-4 0,-1-2 0,74-34 0,171-106 0,-199 92 0,-12 8 0,116-52 0,497-147 0,-591 219 0,104-32-120,453-172-539,-592 206 694,107-52 231,-159 71-179,0-1 0,-2-1 0,43-37 0,6-14-12,228-188-12,-262 226-64,1 2-1,1 3 0,2 1 1,107-40-1,10 12 2,232-84 0,-272 88 0,131-72 0,-176 76 0,76-60 0,70-70 0,-208 159 0,-1-2 0,34-43 0,-22 24 0,-19 25 0,-1-1 0,0-1 0,13-25 0,-23 38 0,1-1 0,-1 0 0,1-1 0,-1 1 0,-1 0 0,1-1 0,-1 1 0,0-1 0,0 1 0,-1-1 0,0 1 0,0-1 0,0 1 0,0-1 0,-1 1 0,0-1 0,-2-6 0,2 11 0,1-1 0,-1 1 0,0-1 0,-1 1 0,1 0 0,0-1 0,0 1 0,0 0 0,-1 0 0,1 0 0,-1 0 0,1 0 0,-1 0 0,1 0 0,-1 0 0,1 1 0,-1-1 0,0 0 0,0 1 0,1 0 0,-1-1 0,0 1 0,0 0 0,1 0 0,-1 0 0,0 0 0,0 0 0,1 0 0,-1 1 0,-2 0 0,-9 1 0,0 1 0,0 1 0,-15 6 0,6-1 0,-62 15 0,0-3 0,-93 9 0,444-30 0,-240 0 0,-4-1 0,-1 1 0,0 1 0,1 1 0,25 6 0,-42-6 0,1 0 0,-1 0 0,0 1 0,1-1 0,-1 2 0,0-1 0,-1 1 0,1-1 0,-1 1 0,1 1 0,-1-1 0,0 1 0,-1 0 0,1 0 0,-1 1 0,0-1 0,-1 1 0,5 7 0,6 18-227,-2 1-1,-1 1 1,-1-1-1,-1 2 1,5 45-1,-11-51-6598</inkml:trace>
+</inkml:ink>
 </file>
 
 <file path=ppt/notesMasters/notesMaster1.xml><?xml version="1.0" encoding="utf-8"?>
@@ -514,7 +627,7 @@
               <a:pPr>
                 <a:defRPr/>
               </a:pPr>
-              <a:t>11/20/22</a:t>
+              <a:t>1/5/2023</a:t>
             </a:fld>
             <a:endParaRPr lang="en-US"/>
           </a:p>
@@ -1148,7 +1261,7 @@
               <a:pPr>
                 <a:defRPr/>
               </a:pPr>
-              <a:t>3</a:t>
+              <a:t>4</a:t>
             </a:fld>
             <a:endParaRPr lang="en-US"/>
           </a:p>
@@ -1246,7 +1359,7 @@
               <a:pPr>
                 <a:defRPr/>
               </a:pPr>
-              <a:t>4</a:t>
+              <a:t>5</a:t>
             </a:fld>
             <a:endParaRPr lang="en-US"/>
           </a:p>
@@ -1450,7 +1563,7 @@
               <a:pPr>
                 <a:defRPr/>
               </a:pPr>
-              <a:t>Sunday, November 20, 2022</a:t>
+              <a:t>Thursday, January 5, 2023</a:t>
             </a:fld>
             <a:endParaRPr lang="en-US" dirty="0"/>
           </a:p>
@@ -1633,7 +1746,7 @@
               <a:pPr>
                 <a:defRPr/>
               </a:pPr>
-              <a:t>Sunday, November 20, 2022</a:t>
+              <a:t>Thursday, January 5, 2023</a:t>
             </a:fld>
             <a:endParaRPr lang="en-US" dirty="0"/>
           </a:p>
@@ -1826,7 +1939,7 @@
               <a:pPr>
                 <a:defRPr/>
               </a:pPr>
-              <a:t>Sunday, November 20, 2022</a:t>
+              <a:t>Thursday, January 5, 2023</a:t>
             </a:fld>
             <a:endParaRPr lang="en-US" dirty="0"/>
           </a:p>
@@ -2009,7 +2122,7 @@
               <a:pPr>
                 <a:defRPr/>
               </a:pPr>
-              <a:t>Sunday, November 20, 2022</a:t>
+              <a:t>Thursday, January 5, 2023</a:t>
             </a:fld>
             <a:endParaRPr lang="en-US" dirty="0"/>
           </a:p>
@@ -2269,7 +2382,7 @@
               <a:pPr>
                 <a:defRPr/>
               </a:pPr>
-              <a:t>Sunday, November 20, 2022</a:t>
+              <a:t>Thursday, January 5, 2023</a:t>
             </a:fld>
             <a:endParaRPr lang="en-US"/>
           </a:p>
@@ -2569,7 +2682,7 @@
               <a:pPr>
                 <a:defRPr/>
               </a:pPr>
-              <a:t>Sunday, November 20, 2022</a:t>
+              <a:t>Thursday, January 5, 2023</a:t>
             </a:fld>
             <a:endParaRPr lang="en-US"/>
           </a:p>
@@ -3003,7 +3116,7 @@
               <a:pPr>
                 <a:defRPr/>
               </a:pPr>
-              <a:t>Sunday, November 20, 2022</a:t>
+              <a:t>Thursday, January 5, 2023</a:t>
             </a:fld>
             <a:endParaRPr lang="en-US"/>
           </a:p>
@@ -3135,7 +3248,7 @@
               <a:pPr>
                 <a:defRPr/>
               </a:pPr>
-              <a:t>Sunday, November 20, 2022</a:t>
+              <a:t>Thursday, January 5, 2023</a:t>
             </a:fld>
             <a:endParaRPr lang="en-US"/>
           </a:p>
@@ -3245,7 +3358,7 @@
               <a:pPr>
                 <a:defRPr/>
               </a:pPr>
-              <a:t>Sunday, November 20, 2022</a:t>
+              <a:t>Thursday, January 5, 2023</a:t>
             </a:fld>
             <a:endParaRPr lang="en-US" dirty="0"/>
           </a:p>
@@ -3535,7 +3648,7 @@
               <a:pPr>
                 <a:defRPr/>
               </a:pPr>
-              <a:t>Sunday, November 20, 2022</a:t>
+              <a:t>Thursday, January 5, 2023</a:t>
             </a:fld>
             <a:endParaRPr lang="en-US"/>
           </a:p>
@@ -3802,7 +3915,7 @@
               <a:pPr>
                 <a:defRPr/>
               </a:pPr>
-              <a:t>Sunday, November 20, 2022</a:t>
+              <a:t>Thursday, January 5, 2023</a:t>
             </a:fld>
             <a:endParaRPr lang="en-US"/>
           </a:p>
@@ -4028,7 +4141,7 @@
               <a:pPr>
                 <a:defRPr/>
               </a:pPr>
-              <a:t>Sunday, November 20, 2022</a:t>
+              <a:t>Thursday, January 5, 2023</a:t>
             </a:fld>
             <a:endParaRPr lang="en-US" dirty="0"/>
           </a:p>
@@ -4941,6 +5054,689 @@
       </p:grpSpPr>
       <p:sp>
         <p:nvSpPr>
+          <p:cNvPr id="16" name="Rectangle 15">
+            <a:extLst>
+              <a:ext uri="{FF2B5EF4-FFF2-40B4-BE49-F238E27FC236}">
+                <a16:creationId xmlns:a16="http://schemas.microsoft.com/office/drawing/2014/main" id="{A918AF45-468D-4ACE-1CFE-F97978127914}"/>
+              </a:ext>
+            </a:extLst>
+          </p:cNvPr>
+          <p:cNvSpPr/>
+          <p:nvPr/>
+        </p:nvSpPr>
+        <p:spPr>
+          <a:xfrm>
+            <a:off x="609600" y="1667599"/>
+            <a:ext cx="7543800" cy="901840"/>
+          </a:xfrm>
+          <a:prstGeom prst="rect">
+            <a:avLst/>
+          </a:prstGeom>
+        </p:spPr>
+        <p:style>
+          <a:lnRef idx="2">
+            <a:schemeClr val="accent4">
+              <a:shade val="50000"/>
+            </a:schemeClr>
+          </a:lnRef>
+          <a:fillRef idx="1">
+            <a:schemeClr val="accent4"/>
+          </a:fillRef>
+          <a:effectRef idx="0">
+            <a:schemeClr val="accent4"/>
+          </a:effectRef>
+          <a:fontRef idx="minor">
+            <a:schemeClr val="lt1"/>
+          </a:fontRef>
+        </p:style>
+        <p:txBody>
+          <a:bodyPr rtlCol="0" anchor="ctr"/>
+          <a:lstStyle/>
+          <a:p>
+            <a:pPr algn="ctr"/>
+            <a:endParaRPr lang="en-US"/>
+          </a:p>
+        </p:txBody>
+      </p:sp>
+      <p:sp>
+        <p:nvSpPr>
+          <p:cNvPr id="5" name="Rectangle: Rounded Corners 4">
+            <a:extLst>
+              <a:ext uri="{FF2B5EF4-FFF2-40B4-BE49-F238E27FC236}">
+                <a16:creationId xmlns:a16="http://schemas.microsoft.com/office/drawing/2014/main" id="{8E36C400-4D40-AC5E-EC58-3BDB4980194D}"/>
+              </a:ext>
+            </a:extLst>
+          </p:cNvPr>
+          <p:cNvSpPr/>
+          <p:nvPr/>
+        </p:nvSpPr>
+        <p:spPr>
+          <a:xfrm>
+            <a:off x="2872990" y="1813719"/>
+            <a:ext cx="1590989" cy="609600"/>
+          </a:xfrm>
+          <a:prstGeom prst="roundRect">
+            <a:avLst/>
+          </a:prstGeom>
+        </p:spPr>
+        <p:style>
+          <a:lnRef idx="2">
+            <a:schemeClr val="accent3">
+              <a:shade val="50000"/>
+            </a:schemeClr>
+          </a:lnRef>
+          <a:fillRef idx="1">
+            <a:schemeClr val="accent3"/>
+          </a:fillRef>
+          <a:effectRef idx="0">
+            <a:schemeClr val="accent3"/>
+          </a:effectRef>
+          <a:fontRef idx="minor">
+            <a:schemeClr val="lt1"/>
+          </a:fontRef>
+        </p:style>
+        <p:txBody>
+          <a:bodyPr rtlCol="0" anchor="ctr"/>
+          <a:lstStyle/>
+          <a:p>
+            <a:pPr algn="ctr"/>
+            <a:endParaRPr lang="en-US"/>
+          </a:p>
+        </p:txBody>
+      </p:sp>
+      <p:sp>
+        <p:nvSpPr>
+          <p:cNvPr id="6" name="Rectangle: Rounded Corners 5">
+            <a:extLst>
+              <a:ext uri="{FF2B5EF4-FFF2-40B4-BE49-F238E27FC236}">
+                <a16:creationId xmlns:a16="http://schemas.microsoft.com/office/drawing/2014/main" id="{C8C87865-F048-8D1F-AB9C-7AEEDFF03D8B}"/>
+              </a:ext>
+            </a:extLst>
+          </p:cNvPr>
+          <p:cNvSpPr/>
+          <p:nvPr/>
+        </p:nvSpPr>
+        <p:spPr>
+          <a:xfrm>
+            <a:off x="4829070" y="1813719"/>
+            <a:ext cx="1266930" cy="609600"/>
+          </a:xfrm>
+          <a:prstGeom prst="roundRect">
+            <a:avLst/>
+          </a:prstGeom>
+        </p:spPr>
+        <p:style>
+          <a:lnRef idx="2">
+            <a:schemeClr val="accent3">
+              <a:shade val="50000"/>
+            </a:schemeClr>
+          </a:lnRef>
+          <a:fillRef idx="1">
+            <a:schemeClr val="accent3"/>
+          </a:fillRef>
+          <a:effectRef idx="0">
+            <a:schemeClr val="accent3"/>
+          </a:effectRef>
+          <a:fontRef idx="minor">
+            <a:schemeClr val="lt1"/>
+          </a:fontRef>
+        </p:style>
+        <p:txBody>
+          <a:bodyPr rtlCol="0" anchor="ctr"/>
+          <a:lstStyle/>
+          <a:p>
+            <a:pPr algn="ctr"/>
+            <a:endParaRPr lang="en-US"/>
+          </a:p>
+        </p:txBody>
+      </p:sp>
+      <p:sp>
+        <p:nvSpPr>
+          <p:cNvPr id="7" name="Rectangle: Rounded Corners 6">
+            <a:extLst>
+              <a:ext uri="{FF2B5EF4-FFF2-40B4-BE49-F238E27FC236}">
+                <a16:creationId xmlns:a16="http://schemas.microsoft.com/office/drawing/2014/main" id="{676FD652-5046-E938-671C-77C03B623233}"/>
+              </a:ext>
+            </a:extLst>
+          </p:cNvPr>
+          <p:cNvSpPr/>
+          <p:nvPr/>
+        </p:nvSpPr>
+        <p:spPr>
+          <a:xfrm>
+            <a:off x="6533103" y="1781899"/>
+            <a:ext cx="1163097" cy="609600"/>
+          </a:xfrm>
+          <a:prstGeom prst="roundRect">
+            <a:avLst/>
+          </a:prstGeom>
+        </p:spPr>
+        <p:style>
+          <a:lnRef idx="2">
+            <a:schemeClr val="accent3">
+              <a:shade val="50000"/>
+            </a:schemeClr>
+          </a:lnRef>
+          <a:fillRef idx="1">
+            <a:schemeClr val="accent3"/>
+          </a:fillRef>
+          <a:effectRef idx="0">
+            <a:schemeClr val="accent3"/>
+          </a:effectRef>
+          <a:fontRef idx="minor">
+            <a:schemeClr val="lt1"/>
+          </a:fontRef>
+        </p:style>
+        <p:txBody>
+          <a:bodyPr rtlCol="0" anchor="ctr"/>
+          <a:lstStyle/>
+          <a:p>
+            <a:pPr algn="ctr"/>
+            <a:endParaRPr lang="en-US"/>
+          </a:p>
+        </p:txBody>
+      </p:sp>
+      <p:sp>
+        <p:nvSpPr>
+          <p:cNvPr id="4" name="Rectangle: Rounded Corners 3">
+            <a:extLst>
+              <a:ext uri="{FF2B5EF4-FFF2-40B4-BE49-F238E27FC236}">
+                <a16:creationId xmlns:a16="http://schemas.microsoft.com/office/drawing/2014/main" id="{FCF20959-3F63-C91B-C5A2-B77493C8EB24}"/>
+              </a:ext>
+            </a:extLst>
+          </p:cNvPr>
+          <p:cNvSpPr/>
+          <p:nvPr/>
+        </p:nvSpPr>
+        <p:spPr>
+          <a:xfrm>
+            <a:off x="880068" y="1813719"/>
+            <a:ext cx="1524000" cy="609600"/>
+          </a:xfrm>
+          <a:prstGeom prst="roundRect">
+            <a:avLst/>
+          </a:prstGeom>
+        </p:spPr>
+        <p:style>
+          <a:lnRef idx="2">
+            <a:schemeClr val="accent3">
+              <a:shade val="50000"/>
+            </a:schemeClr>
+          </a:lnRef>
+          <a:fillRef idx="1">
+            <a:schemeClr val="accent3"/>
+          </a:fillRef>
+          <a:effectRef idx="0">
+            <a:schemeClr val="accent3"/>
+          </a:effectRef>
+          <a:fontRef idx="minor">
+            <a:schemeClr val="lt1"/>
+          </a:fontRef>
+        </p:style>
+        <p:txBody>
+          <a:bodyPr rtlCol="0" anchor="ctr"/>
+          <a:lstStyle/>
+          <a:p>
+            <a:pPr algn="ctr"/>
+            <a:endParaRPr lang="en-US"/>
+          </a:p>
+        </p:txBody>
+      </p:sp>
+      <p:sp>
+        <p:nvSpPr>
+          <p:cNvPr id="2" name="Title 1">
+            <a:extLst>
+              <a:ext uri="{FF2B5EF4-FFF2-40B4-BE49-F238E27FC236}">
+                <a16:creationId xmlns:a16="http://schemas.microsoft.com/office/drawing/2014/main" id="{3BA1B80F-9906-53D4-3B1D-D898A21908D3}"/>
+              </a:ext>
+            </a:extLst>
+          </p:cNvPr>
+          <p:cNvSpPr>
+            <a:spLocks noGrp="1"/>
+          </p:cNvSpPr>
+          <p:nvPr>
+            <p:ph type="title"/>
+          </p:nvPr>
+        </p:nvSpPr>
+        <p:spPr/>
+        <p:txBody>
+          <a:bodyPr/>
+          <a:lstStyle/>
+          <a:p>
+            <a:r>
+              <a:rPr lang="en-US" dirty="0"/>
+              <a:t>Tokens</a:t>
+            </a:r>
+          </a:p>
+        </p:txBody>
+      </p:sp>
+      <p:sp>
+        <p:nvSpPr>
+          <p:cNvPr id="3" name="Content Placeholder 2">
+            <a:extLst>
+              <a:ext uri="{FF2B5EF4-FFF2-40B4-BE49-F238E27FC236}">
+                <a16:creationId xmlns:a16="http://schemas.microsoft.com/office/drawing/2014/main" id="{C3BA0B2D-CBC3-0FD1-72F8-BFC6EA32E7D2}"/>
+              </a:ext>
+            </a:extLst>
+          </p:cNvPr>
+          <p:cNvSpPr>
+            <a:spLocks noGrp="1"/>
+          </p:cNvSpPr>
+          <p:nvPr>
+            <p:ph idx="1"/>
+          </p:nvPr>
+        </p:nvSpPr>
+        <p:spPr>
+          <a:xfrm>
+            <a:off x="882580" y="1667599"/>
+            <a:ext cx="7162800" cy="1447800"/>
+          </a:xfrm>
+        </p:spPr>
+        <p:txBody>
+          <a:bodyPr>
+            <a:normAutofit/>
+          </a:bodyPr>
+          <a:lstStyle/>
+          <a:p>
+            <a:pPr marL="0" indent="0">
+              <a:buNone/>
+            </a:pPr>
+            <a:r>
+              <a:rPr lang="en-US" sz="4800" dirty="0"/>
+              <a:t>Jason    Yoder    CSSE    220</a:t>
+            </a:r>
+          </a:p>
+        </p:txBody>
+      </p:sp>
+      <mc:AlternateContent xmlns:mc="http://schemas.openxmlformats.org/markup-compatibility/2006">
+        <mc:Choice xmlns:p14="http://schemas.microsoft.com/office/powerpoint/2010/main" Requires="p14">
+          <p:contentPart p14:bwMode="auto" r:id="rId2">
+            <p14:nvContentPartPr>
+              <p14:cNvPr id="9" name="Ink 8">
+                <a:extLst>
+                  <a:ext uri="{FF2B5EF4-FFF2-40B4-BE49-F238E27FC236}">
+                    <a16:creationId xmlns:a16="http://schemas.microsoft.com/office/drawing/2014/main" id="{867A467E-684A-F4C2-E265-6A06A3A7905D}"/>
+                  </a:ext>
+                </a:extLst>
+              </p14:cNvPr>
+              <p14:cNvContentPartPr/>
+              <p14:nvPr/>
+            </p14:nvContentPartPr>
+            <p14:xfrm>
+              <a:off x="1479307" y="2637348"/>
+              <a:ext cx="220320" cy="1100520"/>
+            </p14:xfrm>
+          </p:contentPart>
+        </mc:Choice>
+        <mc:Fallback>
+          <p:pic>
+            <p:nvPicPr>
+              <p:cNvPr id="9" name="Ink 8">
+                <a:extLst>
+                  <a:ext uri="{FF2B5EF4-FFF2-40B4-BE49-F238E27FC236}">
+                    <a16:creationId xmlns:a16="http://schemas.microsoft.com/office/drawing/2014/main" id="{867A467E-684A-F4C2-E265-6A06A3A7905D}"/>
+                  </a:ext>
+                </a:extLst>
+              </p:cNvPr>
+              <p:cNvPicPr/>
+              <p:nvPr/>
+            </p:nvPicPr>
+            <p:blipFill>
+              <a:blip r:embed="rId3"/>
+              <a:stretch>
+                <a:fillRect/>
+              </a:stretch>
+            </p:blipFill>
+            <p:spPr>
+              <a:xfrm>
+                <a:off x="1470307" y="2628348"/>
+                <a:ext cx="237960" cy="1118160"/>
+              </a:xfrm>
+              <a:prstGeom prst="rect">
+                <a:avLst/>
+              </a:prstGeom>
+            </p:spPr>
+          </p:pic>
+        </mc:Fallback>
+      </mc:AlternateContent>
+      <p:grpSp>
+        <p:nvGrpSpPr>
+          <p:cNvPr id="13" name="Group 12">
+            <a:extLst>
+              <a:ext uri="{FF2B5EF4-FFF2-40B4-BE49-F238E27FC236}">
+                <a16:creationId xmlns:a16="http://schemas.microsoft.com/office/drawing/2014/main" id="{DCBDDC2E-3970-5262-1A33-9AE1E451D676}"/>
+              </a:ext>
+            </a:extLst>
+          </p:cNvPr>
+          <p:cNvGrpSpPr/>
+          <p:nvPr/>
+        </p:nvGrpSpPr>
+        <p:grpSpPr>
+          <a:xfrm>
+            <a:off x="1527187" y="2499828"/>
+            <a:ext cx="5286600" cy="1456200"/>
+            <a:chOff x="1527187" y="2499828"/>
+            <a:chExt cx="5286600" cy="1456200"/>
+          </a:xfrm>
+        </p:grpSpPr>
+        <mc:AlternateContent xmlns:mc="http://schemas.openxmlformats.org/markup-compatibility/2006">
+          <mc:Choice xmlns:p14="http://schemas.microsoft.com/office/powerpoint/2010/main" Requires="p14">
+            <p:contentPart p14:bwMode="auto" r:id="rId4">
+              <p14:nvContentPartPr>
+                <p14:cNvPr id="10" name="Ink 9">
+                  <a:extLst>
+                    <a:ext uri="{FF2B5EF4-FFF2-40B4-BE49-F238E27FC236}">
+                      <a16:creationId xmlns:a16="http://schemas.microsoft.com/office/drawing/2014/main" id="{A9366B54-A2B4-6AC8-7C1F-2745884B5E56}"/>
+                    </a:ext>
+                  </a:extLst>
+                </p14:cNvPr>
+                <p14:cNvContentPartPr/>
+                <p14:nvPr/>
+              </p14:nvContentPartPr>
+              <p14:xfrm>
+                <a:off x="1768387" y="2499828"/>
+                <a:ext cx="1933560" cy="1257840"/>
+              </p14:xfrm>
+            </p:contentPart>
+          </mc:Choice>
+          <mc:Fallback>
+            <p:pic>
+              <p:nvPicPr>
+                <p:cNvPr id="10" name="Ink 9">
+                  <a:extLst>
+                    <a:ext uri="{FF2B5EF4-FFF2-40B4-BE49-F238E27FC236}">
+                      <a16:creationId xmlns:a16="http://schemas.microsoft.com/office/drawing/2014/main" id="{A9366B54-A2B4-6AC8-7C1F-2745884B5E56}"/>
+                    </a:ext>
+                  </a:extLst>
+                </p:cNvPr>
+                <p:cNvPicPr/>
+                <p:nvPr/>
+              </p:nvPicPr>
+              <p:blipFill>
+                <a:blip r:embed="rId5"/>
+                <a:stretch>
+                  <a:fillRect/>
+                </a:stretch>
+              </p:blipFill>
+              <p:spPr>
+                <a:xfrm>
+                  <a:off x="1759387" y="2491188"/>
+                  <a:ext cx="1951200" cy="1275480"/>
+                </a:xfrm>
+                <a:prstGeom prst="rect">
+                  <a:avLst/>
+                </a:prstGeom>
+              </p:spPr>
+            </p:pic>
+          </mc:Fallback>
+        </mc:AlternateContent>
+        <mc:AlternateContent xmlns:mc="http://schemas.openxmlformats.org/markup-compatibility/2006">
+          <mc:Choice xmlns:p14="http://schemas.microsoft.com/office/powerpoint/2010/main" Requires="p14">
+            <p:contentPart p14:bwMode="auto" r:id="rId6">
+              <p14:nvContentPartPr>
+                <p14:cNvPr id="11" name="Ink 10">
+                  <a:extLst>
+                    <a:ext uri="{FF2B5EF4-FFF2-40B4-BE49-F238E27FC236}">
+                      <a16:creationId xmlns:a16="http://schemas.microsoft.com/office/drawing/2014/main" id="{73B52562-7C7E-CC6B-1F70-FC0705217BE1}"/>
+                    </a:ext>
+                  </a:extLst>
+                </p14:cNvPr>
+                <p14:cNvContentPartPr/>
+                <p14:nvPr/>
+              </p14:nvContentPartPr>
+              <p14:xfrm>
+                <a:off x="1778107" y="2540148"/>
+                <a:ext cx="3387240" cy="1217880"/>
+              </p14:xfrm>
+            </p:contentPart>
+          </mc:Choice>
+          <mc:Fallback>
+            <p:pic>
+              <p:nvPicPr>
+                <p:cNvPr id="11" name="Ink 10">
+                  <a:extLst>
+                    <a:ext uri="{FF2B5EF4-FFF2-40B4-BE49-F238E27FC236}">
+                      <a16:creationId xmlns:a16="http://schemas.microsoft.com/office/drawing/2014/main" id="{73B52562-7C7E-CC6B-1F70-FC0705217BE1}"/>
+                    </a:ext>
+                  </a:extLst>
+                </p:cNvPr>
+                <p:cNvPicPr/>
+                <p:nvPr/>
+              </p:nvPicPr>
+              <p:blipFill>
+                <a:blip r:embed="rId7"/>
+                <a:stretch>
+                  <a:fillRect/>
+                </a:stretch>
+              </p:blipFill>
+              <p:spPr>
+                <a:xfrm>
+                  <a:off x="1769467" y="2531148"/>
+                  <a:ext cx="3404880" cy="1235520"/>
+                </a:xfrm>
+                <a:prstGeom prst="rect">
+                  <a:avLst/>
+                </a:prstGeom>
+              </p:spPr>
+            </p:pic>
+          </mc:Fallback>
+        </mc:AlternateContent>
+        <mc:AlternateContent xmlns:mc="http://schemas.openxmlformats.org/markup-compatibility/2006">
+          <mc:Choice xmlns:p14="http://schemas.microsoft.com/office/powerpoint/2010/main" Requires="p14">
+            <p:contentPart p14:bwMode="auto" r:id="rId8">
+              <p14:nvContentPartPr>
+                <p14:cNvPr id="12" name="Ink 11">
+                  <a:extLst>
+                    <a:ext uri="{FF2B5EF4-FFF2-40B4-BE49-F238E27FC236}">
+                      <a16:creationId xmlns:a16="http://schemas.microsoft.com/office/drawing/2014/main" id="{6F4099E6-65CB-4D01-0BAB-4EC782C0CA61}"/>
+                    </a:ext>
+                  </a:extLst>
+                </p14:cNvPr>
+                <p14:cNvContentPartPr/>
+                <p14:nvPr/>
+              </p14:nvContentPartPr>
+              <p14:xfrm>
+                <a:off x="1527187" y="2624388"/>
+                <a:ext cx="5286600" cy="1331640"/>
+              </p14:xfrm>
+            </p:contentPart>
+          </mc:Choice>
+          <mc:Fallback>
+            <p:pic>
+              <p:nvPicPr>
+                <p:cNvPr id="12" name="Ink 11">
+                  <a:extLst>
+                    <a:ext uri="{FF2B5EF4-FFF2-40B4-BE49-F238E27FC236}">
+                      <a16:creationId xmlns:a16="http://schemas.microsoft.com/office/drawing/2014/main" id="{6F4099E6-65CB-4D01-0BAB-4EC782C0CA61}"/>
+                    </a:ext>
+                  </a:extLst>
+                </p:cNvPr>
+                <p:cNvPicPr/>
+                <p:nvPr/>
+              </p:nvPicPr>
+              <p:blipFill>
+                <a:blip r:embed="rId9"/>
+                <a:stretch>
+                  <a:fillRect/>
+                </a:stretch>
+              </p:blipFill>
+              <p:spPr>
+                <a:xfrm>
+                  <a:off x="1518187" y="2615748"/>
+                  <a:ext cx="5304240" cy="1349280"/>
+                </a:xfrm>
+                <a:prstGeom prst="rect">
+                  <a:avLst/>
+                </a:prstGeom>
+              </p:spPr>
+            </p:pic>
+          </mc:Fallback>
+        </mc:AlternateContent>
+      </p:grpSp>
+      <p:sp>
+        <p:nvSpPr>
+          <p:cNvPr id="14" name="TextBox 13">
+            <a:extLst>
+              <a:ext uri="{FF2B5EF4-FFF2-40B4-BE49-F238E27FC236}">
+                <a16:creationId xmlns:a16="http://schemas.microsoft.com/office/drawing/2014/main" id="{79214643-4F77-B5FC-4A11-DA2A44615EC8}"/>
+              </a:ext>
+            </a:extLst>
+          </p:cNvPr>
+          <p:cNvSpPr txBox="1"/>
+          <p:nvPr/>
+        </p:nvSpPr>
+        <p:spPr>
+          <a:xfrm>
+            <a:off x="990600" y="4267200"/>
+            <a:ext cx="6781800" cy="2031325"/>
+          </a:xfrm>
+          <a:prstGeom prst="rect">
+            <a:avLst/>
+          </a:prstGeom>
+          <a:noFill/>
+        </p:spPr>
+        <p:txBody>
+          <a:bodyPr wrap="square" rtlCol="0">
+            <a:spAutoFit/>
+          </a:bodyPr>
+          <a:lstStyle/>
+          <a:p>
+            <a:r>
+              <a:rPr lang="en-US" dirty="0"/>
+              <a:t>Repeatedly calling </a:t>
+            </a:r>
+            <a:r>
+              <a:rPr lang="en-US" dirty="0" err="1">
+                <a:latin typeface="Consolas" panose="020B0609020204030204" pitchFamily="49" charset="0"/>
+              </a:rPr>
+              <a:t>scanner.</a:t>
+            </a:r>
+            <a:r>
+              <a:rPr lang="en-US" dirty="0" err="1">
+                <a:highlight>
+                  <a:srgbClr val="00FF00"/>
+                </a:highlight>
+                <a:latin typeface="Consolas" panose="020B0609020204030204" pitchFamily="49" charset="0"/>
+              </a:rPr>
+              <a:t>next</a:t>
+            </a:r>
+            <a:r>
+              <a:rPr lang="en-US" dirty="0">
+                <a:highlight>
+                  <a:srgbClr val="00FF00"/>
+                </a:highlight>
+                <a:latin typeface="Consolas" panose="020B0609020204030204" pitchFamily="49" charset="0"/>
+              </a:rPr>
+              <a:t>()</a:t>
+            </a:r>
+            <a:r>
+              <a:rPr lang="en-US" dirty="0"/>
+              <a:t> will return the next token as a </a:t>
+            </a:r>
+            <a:r>
+              <a:rPr lang="en-US" dirty="0">
+                <a:latin typeface="Consolas" panose="020B0609020204030204" pitchFamily="49" charset="0"/>
+              </a:rPr>
+              <a:t>String</a:t>
+            </a:r>
+            <a:r>
+              <a:rPr lang="en-US" dirty="0"/>
+              <a:t> and advance the cursor to the next token </a:t>
+            </a:r>
+          </a:p>
+          <a:p>
+            <a:endParaRPr lang="en-US" dirty="0"/>
+          </a:p>
+          <a:p>
+            <a:r>
+              <a:rPr lang="en-US" dirty="0"/>
+              <a:t>Calling </a:t>
+            </a:r>
+            <a:r>
+              <a:rPr lang="en-US" dirty="0" err="1">
+                <a:latin typeface="Consolas" panose="020B0609020204030204" pitchFamily="49" charset="0"/>
+              </a:rPr>
+              <a:t>scanner.</a:t>
+            </a:r>
+            <a:r>
+              <a:rPr lang="en-US" dirty="0" err="1">
+                <a:solidFill>
+                  <a:schemeClr val="bg1"/>
+                </a:solidFill>
+                <a:highlight>
+                  <a:srgbClr val="800080"/>
+                </a:highlight>
+                <a:latin typeface="Consolas" panose="020B0609020204030204" pitchFamily="49" charset="0"/>
+              </a:rPr>
+              <a:t>nextLine</a:t>
+            </a:r>
+            <a:r>
+              <a:rPr lang="en-US" dirty="0">
+                <a:solidFill>
+                  <a:schemeClr val="bg1"/>
+                </a:solidFill>
+                <a:highlight>
+                  <a:srgbClr val="800080"/>
+                </a:highlight>
+                <a:latin typeface="Consolas" panose="020B0609020204030204" pitchFamily="49" charset="0"/>
+              </a:rPr>
+              <a:t>()</a:t>
+            </a:r>
+            <a:r>
+              <a:rPr lang="en-US" dirty="0"/>
+              <a:t> will grab the entire line at once and return as a </a:t>
+            </a:r>
+            <a:r>
+              <a:rPr lang="en-US" dirty="0">
+                <a:latin typeface="Consolas" panose="020B0609020204030204" pitchFamily="49" charset="0"/>
+              </a:rPr>
+              <a:t>String</a:t>
+            </a:r>
+            <a:r>
+              <a:rPr lang="en-US" dirty="0"/>
+              <a:t>.</a:t>
+            </a:r>
+          </a:p>
+          <a:p>
+            <a:endParaRPr lang="en-US" dirty="0"/>
+          </a:p>
+          <a:p>
+            <a:endParaRPr lang="en-US" dirty="0"/>
+          </a:p>
+        </p:txBody>
+      </p:sp>
+    </p:spTree>
+    <p:extLst>
+      <p:ext uri="{BB962C8B-B14F-4D97-AF65-F5344CB8AC3E}">
+        <p14:creationId xmlns:p14="http://schemas.microsoft.com/office/powerpoint/2010/main" val="1686245594"/>
+      </p:ext>
+    </p:extLst>
+  </p:cSld>
+  <p:clrMapOvr>
+    <a:masterClrMapping/>
+  </p:clrMapOvr>
+</p:sld>
+</file>
+
+<file path=ppt/slides/slide4.xml><?xml version="1.0" encoding="utf-8"?>
+<p:sld xmlns:a="http://schemas.openxmlformats.org/drawingml/2006/main" xmlns:r="http://schemas.openxmlformats.org/officeDocument/2006/relationships" xmlns:p="http://schemas.openxmlformats.org/presentationml/2006/main">
+  <p:cSld>
+    <p:spTree>
+      <p:nvGrpSpPr>
+        <p:cNvPr id="1" name=""/>
+        <p:cNvGrpSpPr/>
+        <p:nvPr/>
+      </p:nvGrpSpPr>
+      <p:grpSpPr>
+        <a:xfrm>
+          <a:off x="0" y="0"/>
+          <a:ext cx="0" cy="0"/>
+          <a:chOff x="0" y="0"/>
+          <a:chExt cx="0" cy="0"/>
+        </a:xfrm>
+      </p:grpSpPr>
+      <p:sp>
+        <p:nvSpPr>
           <p:cNvPr id="2" name="Title 1"/>
           <p:cNvSpPr>
             <a:spLocks noGrp="1"/>
@@ -5119,7 +5915,7 @@
 </p:sld>
 </file>
 
-<file path=ppt/slides/slide4.xml><?xml version="1.0" encoding="utf-8"?>
+<file path=ppt/slides/slide5.xml><?xml version="1.0" encoding="utf-8"?>
 <p:sld xmlns:a="http://schemas.openxmlformats.org/drawingml/2006/main" xmlns:r="http://schemas.openxmlformats.org/officeDocument/2006/relationships" xmlns:p="http://schemas.openxmlformats.org/presentationml/2006/main">
   <p:cSld>
     <p:spTree>
@@ -6165,14 +6961,12 @@
 </file>
 
 <file path=customXml/item1.xml><?xml version="1.0" encoding="utf-8"?>
-<p:properties xmlns:p="http://schemas.microsoft.com/office/2006/metadata/properties" xmlns:xsi="http://www.w3.org/2001/XMLSchema-instance" xmlns:pc="http://schemas.microsoft.com/office/infopath/2007/PartnerControls">
-  <documentManagement>
-    <TaxCatchAll xmlns="820f9cb1-409d-4c4b-8197-1d4f7dd48124" xsi:nil="true"/>
-    <lcf76f155ced4ddcb4097134ff3c332f xmlns="08600313-7276-4ca7-b5d3-7d86193ee0ac">
-      <Terms xmlns="http://schemas.microsoft.com/office/infopath/2007/PartnerControls"/>
-    </lcf76f155ced4ddcb4097134ff3c332f>
-  </documentManagement>
-</p:properties>
+<?mso-contentType ?>
+<FormTemplates xmlns="http://schemas.microsoft.com/sharepoint/v3/contenttype/forms">
+  <Display>DocumentLibraryForm</Display>
+  <Edit>DocumentLibraryForm</Edit>
+  <New>DocumentLibraryForm</New>
+</FormTemplates>
 </file>
 
 <file path=customXml/item2.xml><?xml version="1.0" encoding="utf-8"?>
@@ -6353,21 +7147,20 @@
 </file>
 
 <file path=customXml/item3.xml><?xml version="1.0" encoding="utf-8"?>
-<?mso-contentType ?>
-<FormTemplates xmlns="http://schemas.microsoft.com/sharepoint/v3/contenttype/forms">
-  <Display>DocumentLibraryForm</Display>
-  <Edit>DocumentLibraryForm</Edit>
-  <New>DocumentLibraryForm</New>
-</FormTemplates>
+<p:properties xmlns:p="http://schemas.microsoft.com/office/2006/metadata/properties" xmlns:xsi="http://www.w3.org/2001/XMLSchema-instance" xmlns:pc="http://schemas.microsoft.com/office/infopath/2007/PartnerControls">
+  <documentManagement>
+    <TaxCatchAll xmlns="820f9cb1-409d-4c4b-8197-1d4f7dd48124" xsi:nil="true"/>
+    <lcf76f155ced4ddcb4097134ff3c332f xmlns="08600313-7276-4ca7-b5d3-7d86193ee0ac">
+      <Terms xmlns="http://schemas.microsoft.com/office/infopath/2007/PartnerControls"/>
+    </lcf76f155ced4ddcb4097134ff3c332f>
+  </documentManagement>
+</p:properties>
 </file>
 
 <file path=customXml/itemProps1.xml><?xml version="1.0" encoding="utf-8"?>
-<ds:datastoreItem xmlns:ds="http://schemas.openxmlformats.org/officeDocument/2006/customXml" ds:itemID="{ACFC3617-A446-41D4-B89F-413174CC8F31}">
+<ds:datastoreItem xmlns:ds="http://schemas.openxmlformats.org/officeDocument/2006/customXml" ds:itemID="{497D5DD0-6988-40A3-ACE3-E3DC120C3DD3}">
   <ds:schemaRefs>
-    <ds:schemaRef ds:uri="http://schemas.microsoft.com/office/2006/metadata/properties"/>
-    <ds:schemaRef ds:uri="http://schemas.microsoft.com/office/infopath/2007/PartnerControls"/>
-    <ds:schemaRef ds:uri="820f9cb1-409d-4c4b-8197-1d4f7dd48124"/>
-    <ds:schemaRef ds:uri="08600313-7276-4ca7-b5d3-7d86193ee0ac"/>
+    <ds:schemaRef ds:uri="http://schemas.microsoft.com/sharepoint/v3/contenttype/forms"/>
   </ds:schemaRefs>
 </ds:datastoreItem>
 </file>
@@ -6392,9 +7185,12 @@
 </file>
 
 <file path=customXml/itemProps3.xml><?xml version="1.0" encoding="utf-8"?>
-<ds:datastoreItem xmlns:ds="http://schemas.openxmlformats.org/officeDocument/2006/customXml" ds:itemID="{497D5DD0-6988-40A3-ACE3-E3DC120C3DD3}">
+<ds:datastoreItem xmlns:ds="http://schemas.openxmlformats.org/officeDocument/2006/customXml" ds:itemID="{ACFC3617-A446-41D4-B89F-413174CC8F31}">
   <ds:schemaRefs>
-    <ds:schemaRef ds:uri="http://schemas.microsoft.com/sharepoint/v3/contenttype/forms"/>
+    <ds:schemaRef ds:uri="http://schemas.microsoft.com/office/2006/metadata/properties"/>
+    <ds:schemaRef ds:uri="http://schemas.microsoft.com/office/infopath/2007/PartnerControls"/>
+    <ds:schemaRef ds:uri="820f9cb1-409d-4c4b-8197-1d4f7dd48124"/>
+    <ds:schemaRef ds:uri="08600313-7276-4ca7-b5d3-7d86193ee0ac"/>
   </ds:schemaRefs>
 </ds:datastoreItem>
 </file>
--- a/ClassMaterials/IntroToUnitTesting/Slides/Part3-ConsoleInput.pptx
+++ b/ClassMaterials/IntroToUnitTesting/Slides/Part3-ConsoleInput.pptx
@@ -5,17 +5,18 @@
     <p:sldMasterId id="2147483927" r:id="rId4"/>
   </p:sldMasterIdLst>
   <p:notesMasterIdLst>
-    <p:notesMasterId r:id="rId10"/>
+    <p:notesMasterId r:id="rId11"/>
   </p:notesMasterIdLst>
   <p:handoutMasterIdLst>
-    <p:handoutMasterId r:id="rId11"/>
+    <p:handoutMasterId r:id="rId12"/>
   </p:handoutMasterIdLst>
   <p:sldIdLst>
     <p:sldId id="256" r:id="rId5"/>
     <p:sldId id="278" r:id="rId6"/>
     <p:sldId id="281" r:id="rId7"/>
-    <p:sldId id="279" r:id="rId8"/>
-    <p:sldId id="280" r:id="rId9"/>
+    <p:sldId id="282" r:id="rId8"/>
+    <p:sldId id="279" r:id="rId9"/>
+    <p:sldId id="280" r:id="rId10"/>
   </p:sldIdLst>
   <p:sldSz cx="9144000" cy="6858000" type="screen4x3"/>
   <p:notesSz cx="7010400" cy="9296400"/>
@@ -280,7 +281,7 @@
               <a:pPr>
                 <a:defRPr/>
               </a:pPr>
-              <a:t>1/5/2023</a:t>
+              <a:t>6/5/2025</a:t>
             </a:fld>
             <a:endParaRPr lang="en-US"/>
           </a:p>
@@ -627,7 +628,7 @@
               <a:pPr>
                 <a:defRPr/>
               </a:pPr>
-              <a:t>1/5/2023</a:t>
+              <a:t>6/5/2025</a:t>
             </a:fld>
             <a:endParaRPr lang="en-US"/>
           </a:p>
@@ -1261,7 +1262,7 @@
               <a:pPr>
                 <a:defRPr/>
               </a:pPr>
-              <a:t>4</a:t>
+              <a:t>5</a:t>
             </a:fld>
             <a:endParaRPr lang="en-US"/>
           </a:p>
@@ -1359,7 +1360,7 @@
               <a:pPr>
                 <a:defRPr/>
               </a:pPr>
-              <a:t>5</a:t>
+              <a:t>6</a:t>
             </a:fld>
             <a:endParaRPr lang="en-US"/>
           </a:p>
@@ -1563,7 +1564,7 @@
               <a:pPr>
                 <a:defRPr/>
               </a:pPr>
-              <a:t>Thursday, January 5, 2023</a:t>
+              <a:t>Thursday, June 5, 2025</a:t>
             </a:fld>
             <a:endParaRPr lang="en-US" dirty="0"/>
           </a:p>
@@ -1746,7 +1747,7 @@
               <a:pPr>
                 <a:defRPr/>
               </a:pPr>
-              <a:t>Thursday, January 5, 2023</a:t>
+              <a:t>Thursday, June 5, 2025</a:t>
             </a:fld>
             <a:endParaRPr lang="en-US" dirty="0"/>
           </a:p>
@@ -1939,7 +1940,7 @@
               <a:pPr>
                 <a:defRPr/>
               </a:pPr>
-              <a:t>Thursday, January 5, 2023</a:t>
+              <a:t>Thursday, June 5, 2025</a:t>
             </a:fld>
             <a:endParaRPr lang="en-US" dirty="0"/>
           </a:p>
@@ -2122,7 +2123,7 @@
               <a:pPr>
                 <a:defRPr/>
               </a:pPr>
-              <a:t>Thursday, January 5, 2023</a:t>
+              <a:t>Thursday, June 5, 2025</a:t>
             </a:fld>
             <a:endParaRPr lang="en-US" dirty="0"/>
           </a:p>
@@ -2382,7 +2383,7 @@
               <a:pPr>
                 <a:defRPr/>
               </a:pPr>
-              <a:t>Thursday, January 5, 2023</a:t>
+              <a:t>Thursday, June 5, 2025</a:t>
             </a:fld>
             <a:endParaRPr lang="en-US"/>
           </a:p>
@@ -2682,7 +2683,7 @@
               <a:pPr>
                 <a:defRPr/>
               </a:pPr>
-              <a:t>Thursday, January 5, 2023</a:t>
+              <a:t>Thursday, June 5, 2025</a:t>
             </a:fld>
             <a:endParaRPr lang="en-US"/>
           </a:p>
@@ -3116,7 +3117,7 @@
               <a:pPr>
                 <a:defRPr/>
               </a:pPr>
-              <a:t>Thursday, January 5, 2023</a:t>
+              <a:t>Thursday, June 5, 2025</a:t>
             </a:fld>
             <a:endParaRPr lang="en-US"/>
           </a:p>
@@ -3248,7 +3249,7 @@
               <a:pPr>
                 <a:defRPr/>
               </a:pPr>
-              <a:t>Thursday, January 5, 2023</a:t>
+              <a:t>Thursday, June 5, 2025</a:t>
             </a:fld>
             <a:endParaRPr lang="en-US"/>
           </a:p>
@@ -3358,7 +3359,7 @@
               <a:pPr>
                 <a:defRPr/>
               </a:pPr>
-              <a:t>Thursday, January 5, 2023</a:t>
+              <a:t>Thursday, June 5, 2025</a:t>
             </a:fld>
             <a:endParaRPr lang="en-US" dirty="0"/>
           </a:p>
@@ -3648,7 +3649,7 @@
               <a:pPr>
                 <a:defRPr/>
               </a:pPr>
-              <a:t>Thursday, January 5, 2023</a:t>
+              <a:t>Thursday, June 5, 2025</a:t>
             </a:fld>
             <a:endParaRPr lang="en-US"/>
           </a:p>
@@ -3915,7 +3916,7 @@
               <a:pPr>
                 <a:defRPr/>
               </a:pPr>
-              <a:t>Thursday, January 5, 2023</a:t>
+              <a:t>Thursday, June 5, 2025</a:t>
             </a:fld>
             <a:endParaRPr lang="en-US"/>
           </a:p>
@@ -4141,7 +4142,7 @@
               <a:pPr>
                 <a:defRPr/>
               </a:pPr>
-              <a:t>Thursday, January 5, 2023</a:t>
+              <a:t>Thursday, June 5, 2025</a:t>
             </a:fld>
             <a:endParaRPr lang="en-US" dirty="0"/>
           </a:p>
@@ -5348,8 +5349,8 @@
           </a:p>
         </p:txBody>
       </p:sp>
-      <mc:AlternateContent xmlns:mc="http://schemas.openxmlformats.org/markup-compatibility/2006">
-        <mc:Choice xmlns:p14="http://schemas.microsoft.com/office/powerpoint/2010/main" Requires="p14">
+      <mc:AlternateContent xmlns:mc="http://schemas.openxmlformats.org/markup-compatibility/2006" xmlns:p14="http://schemas.microsoft.com/office/powerpoint/2010/main">
+        <mc:Choice Requires="p14">
           <p:contentPart p14:bwMode="auto" r:id="rId2">
             <p14:nvContentPartPr>
               <p14:cNvPr id="9" name="Ink 8">
@@ -5368,7 +5369,7 @@
             </p14:xfrm>
           </p:contentPart>
         </mc:Choice>
-        <mc:Fallback>
+        <mc:Fallback xmlns="">
           <p:pic>
             <p:nvPicPr>
               <p:cNvPr id="9" name="Ink 8">
@@ -5419,8 +5420,8 @@
             <a:chExt cx="5286600" cy="1456200"/>
           </a:xfrm>
         </p:grpSpPr>
-        <mc:AlternateContent xmlns:mc="http://schemas.openxmlformats.org/markup-compatibility/2006">
-          <mc:Choice xmlns:p14="http://schemas.microsoft.com/office/powerpoint/2010/main" Requires="p14">
+        <mc:AlternateContent xmlns:mc="http://schemas.openxmlformats.org/markup-compatibility/2006" xmlns:p14="http://schemas.microsoft.com/office/powerpoint/2010/main">
+          <mc:Choice Requires="p14">
             <p:contentPart p14:bwMode="auto" r:id="rId4">
               <p14:nvContentPartPr>
                 <p14:cNvPr id="10" name="Ink 9">
@@ -5439,7 +5440,7 @@
               </p14:xfrm>
             </p:contentPart>
           </mc:Choice>
-          <mc:Fallback>
+          <mc:Fallback xmlns="">
             <p:pic>
               <p:nvPicPr>
                 <p:cNvPr id="10" name="Ink 9">
@@ -5470,8 +5471,8 @@
             </p:pic>
           </mc:Fallback>
         </mc:AlternateContent>
-        <mc:AlternateContent xmlns:mc="http://schemas.openxmlformats.org/markup-compatibility/2006">
-          <mc:Choice xmlns:p14="http://schemas.microsoft.com/office/powerpoint/2010/main" Requires="p14">
+        <mc:AlternateContent xmlns:mc="http://schemas.openxmlformats.org/markup-compatibility/2006" xmlns:p14="http://schemas.microsoft.com/office/powerpoint/2010/main">
+          <mc:Choice Requires="p14">
             <p:contentPart p14:bwMode="auto" r:id="rId6">
               <p14:nvContentPartPr>
                 <p14:cNvPr id="11" name="Ink 10">
@@ -5490,7 +5491,7 @@
               </p14:xfrm>
             </p:contentPart>
           </mc:Choice>
-          <mc:Fallback>
+          <mc:Fallback xmlns="">
             <p:pic>
               <p:nvPicPr>
                 <p:cNvPr id="11" name="Ink 10">
@@ -5521,8 +5522,8 @@
             </p:pic>
           </mc:Fallback>
         </mc:AlternateContent>
-        <mc:AlternateContent xmlns:mc="http://schemas.openxmlformats.org/markup-compatibility/2006">
-          <mc:Choice xmlns:p14="http://schemas.microsoft.com/office/powerpoint/2010/main" Requires="p14">
+        <mc:AlternateContent xmlns:mc="http://schemas.openxmlformats.org/markup-compatibility/2006" xmlns:p14="http://schemas.microsoft.com/office/powerpoint/2010/main">
+          <mc:Choice Requires="p14">
             <p:contentPart p14:bwMode="auto" r:id="rId8">
               <p14:nvContentPartPr>
                 <p14:cNvPr id="12" name="Ink 11">
@@ -5541,7 +5542,7 @@
               </p14:xfrm>
             </p:contentPart>
           </mc:Choice>
-          <mc:Fallback>
+          <mc:Fallback xmlns="">
             <p:pic>
               <p:nvPicPr>
                 <p:cNvPr id="12" name="Ink 11">
@@ -5719,6 +5720,149 @@
 </file>
 
 <file path=ppt/slides/slide4.xml><?xml version="1.0" encoding="utf-8"?>
+<p:sld xmlns:a="http://schemas.openxmlformats.org/drawingml/2006/main" xmlns:r="http://schemas.openxmlformats.org/officeDocument/2006/relationships" xmlns:p="http://schemas.openxmlformats.org/presentationml/2006/main">
+  <p:cSld>
+    <p:spTree>
+      <p:nvGrpSpPr>
+        <p:cNvPr id="1" name=""/>
+        <p:cNvGrpSpPr/>
+        <p:nvPr/>
+      </p:nvGrpSpPr>
+      <p:grpSpPr>
+        <a:xfrm>
+          <a:off x="0" y="0"/>
+          <a:ext cx="0" cy="0"/>
+          <a:chOff x="0" y="0"/>
+          <a:chExt cx="0" cy="0"/>
+        </a:xfrm>
+      </p:grpSpPr>
+      <p:sp>
+        <p:nvSpPr>
+          <p:cNvPr id="2" name="Title 1">
+            <a:extLst>
+              <a:ext uri="{FF2B5EF4-FFF2-40B4-BE49-F238E27FC236}">
+                <a16:creationId xmlns:a16="http://schemas.microsoft.com/office/drawing/2014/main" id="{06B372DC-9A65-DE8A-497D-E541E2720B4C}"/>
+              </a:ext>
+            </a:extLst>
+          </p:cNvPr>
+          <p:cNvSpPr>
+            <a:spLocks noGrp="1"/>
+          </p:cNvSpPr>
+          <p:nvPr>
+            <p:ph type="title"/>
+          </p:nvPr>
+        </p:nvSpPr>
+        <p:spPr/>
+        <p:txBody>
+          <a:bodyPr>
+            <a:normAutofit fontScale="90000"/>
+          </a:bodyPr>
+          <a:lstStyle/>
+          <a:p>
+            <a:r>
+              <a:rPr lang="en-US" sz="4800" dirty="0">
+                <a:latin typeface="Consolas" panose="020B0609020204030204" pitchFamily="49" charset="0"/>
+              </a:rPr>
+              <a:t>Backslash (\ ) </a:t>
+            </a:r>
+            <a:br>
+              <a:rPr lang="en-US" sz="4800" dirty="0">
+                <a:latin typeface="Consolas" panose="020B0609020204030204" pitchFamily="49" charset="0"/>
+              </a:rPr>
+            </a:br>
+            <a:r>
+              <a:rPr lang="en-US" sz="4800" dirty="0">
+                <a:latin typeface="Consolas" panose="020B0609020204030204" pitchFamily="49" charset="0"/>
+              </a:rPr>
+              <a:t>Escape Characters</a:t>
+            </a:r>
+          </a:p>
+        </p:txBody>
+      </p:sp>
+      <p:sp>
+        <p:nvSpPr>
+          <p:cNvPr id="3" name="Content Placeholder 2">
+            <a:extLst>
+              <a:ext uri="{FF2B5EF4-FFF2-40B4-BE49-F238E27FC236}">
+                <a16:creationId xmlns:a16="http://schemas.microsoft.com/office/drawing/2014/main" id="{F4D9EBF9-BA40-7ABD-4D2B-150FDA995C9B}"/>
+              </a:ext>
+            </a:extLst>
+          </p:cNvPr>
+          <p:cNvSpPr>
+            <a:spLocks noGrp="1"/>
+          </p:cNvSpPr>
+          <p:nvPr>
+            <p:ph idx="1"/>
+          </p:nvPr>
+        </p:nvSpPr>
+        <p:spPr>
+          <a:xfrm>
+            <a:off x="304800" y="1600200"/>
+            <a:ext cx="8610600" cy="4525963"/>
+          </a:xfrm>
+        </p:spPr>
+        <p:txBody>
+          <a:bodyPr>
+            <a:normAutofit fontScale="92500" lnSpcReduction="10000"/>
+          </a:bodyPr>
+          <a:lstStyle/>
+          <a:p>
+            <a:r>
+              <a:rPr lang="en-US" dirty="0"/>
+              <a:t>The backslash symbol  “\”  is an escape character</a:t>
+            </a:r>
+          </a:p>
+          <a:p>
+            <a:r>
+              <a:rPr lang="en-US" dirty="0"/>
+              <a:t>“\n” means new line</a:t>
+            </a:r>
+          </a:p>
+          <a:p>
+            <a:pPr lvl="1"/>
+            <a:r>
+              <a:rPr lang="en-US" dirty="0"/>
+              <a:t>When you press “enter” when typing, that is recorded as a special new line character</a:t>
+            </a:r>
+          </a:p>
+          <a:p>
+            <a:r>
+              <a:rPr lang="en-US" dirty="0"/>
+              <a:t>If you want to print a backslash in a Java string, you have to escape it as well i.e. “\\”</a:t>
+            </a:r>
+          </a:p>
+          <a:p>
+            <a:r>
+              <a:rPr lang="en-US" dirty="0"/>
+              <a:t>Similarly, to see a double quote you need to escape it: “Here is an escape double quote: \” in a string”</a:t>
+            </a:r>
+          </a:p>
+          <a:p>
+            <a:r>
+              <a:rPr lang="en-US" dirty="0" err="1"/>
+              <a:t>nextLine</a:t>
+            </a:r>
+            <a:r>
+              <a:rPr lang="en-US" dirty="0"/>
+              <a:t>() reads until finding a “\n” character</a:t>
+            </a:r>
+          </a:p>
+        </p:txBody>
+      </p:sp>
+    </p:spTree>
+    <p:extLst>
+      <p:ext uri="{BB962C8B-B14F-4D97-AF65-F5344CB8AC3E}">
+        <p14:creationId xmlns:p14="http://schemas.microsoft.com/office/powerpoint/2010/main" val="4255773744"/>
+      </p:ext>
+    </p:extLst>
+  </p:cSld>
+  <p:clrMapOvr>
+    <a:masterClrMapping/>
+  </p:clrMapOvr>
+</p:sld>
+</file>
+
+<file path=ppt/slides/slide5.xml><?xml version="1.0" encoding="utf-8"?>
 <p:sld xmlns:a="http://schemas.openxmlformats.org/drawingml/2006/main" xmlns:r="http://schemas.openxmlformats.org/officeDocument/2006/relationships" xmlns:p="http://schemas.openxmlformats.org/presentationml/2006/main">
   <p:cSld>
     <p:spTree>
@@ -5915,7 +6059,7 @@
 </p:sld>
 </file>
 
-<file path=ppt/slides/slide5.xml><?xml version="1.0" encoding="utf-8"?>
+<file path=ppt/slides/slide6.xml><?xml version="1.0" encoding="utf-8"?>
 <p:sld xmlns:a="http://schemas.openxmlformats.org/drawingml/2006/main" xmlns:r="http://schemas.openxmlformats.org/officeDocument/2006/relationships" xmlns:p="http://schemas.openxmlformats.org/presentationml/2006/main">
   <p:cSld>
     <p:spTree>
@@ -6970,6 +7114,17 @@
 </file>
 
 <file path=customXml/item2.xml><?xml version="1.0" encoding="utf-8"?>
+<p:properties xmlns:p="http://schemas.microsoft.com/office/2006/metadata/properties" xmlns:xsi="http://www.w3.org/2001/XMLSchema-instance" xmlns:pc="http://schemas.microsoft.com/office/infopath/2007/PartnerControls">
+  <documentManagement>
+    <TaxCatchAll xmlns="820f9cb1-409d-4c4b-8197-1d4f7dd48124" xsi:nil="true"/>
+    <lcf76f155ced4ddcb4097134ff3c332f xmlns="08600313-7276-4ca7-b5d3-7d86193ee0ac">
+      <Terms xmlns="http://schemas.microsoft.com/office/infopath/2007/PartnerControls"/>
+    </lcf76f155ced4ddcb4097134ff3c332f>
+  </documentManagement>
+</p:properties>
+</file>
+
+<file path=customXml/item3.xml><?xml version="1.0" encoding="utf-8"?>
 <ct:contentTypeSchema xmlns:ct="http://schemas.microsoft.com/office/2006/metadata/contentType" xmlns:ma="http://schemas.microsoft.com/office/2006/metadata/properties/metaAttributes" ct:_="" ma:_="" ma:contentTypeName="Document" ma:contentTypeID="0x0101004285D81DBE5F5A448E892B34D6B8CF20" ma:contentTypeVersion="8" ma:contentTypeDescription="Create a new document." ma:contentTypeScope="" ma:versionID="ecce54155d2ea7caa9aed06c8b6b9867">
   <xsd:schema xmlns:xsd="http://www.w3.org/2001/XMLSchema" xmlns:xs="http://www.w3.org/2001/XMLSchema" xmlns:p="http://schemas.microsoft.com/office/2006/metadata/properties" xmlns:ns2="08600313-7276-4ca7-b5d3-7d86193ee0ac" xmlns:ns3="820f9cb1-409d-4c4b-8197-1d4f7dd48124" targetNamespace="http://schemas.microsoft.com/office/2006/metadata/properties" ma:root="true" ma:fieldsID="bfd7385540b70b2fe84ac888cc214377" ns2:_="" ns3:_="">
     <xsd:import namespace="08600313-7276-4ca7-b5d3-7d86193ee0ac"/>
@@ -7146,17 +7301,6 @@
 </ct:contentTypeSchema>
 </file>
 
-<file path=customXml/item3.xml><?xml version="1.0" encoding="utf-8"?>
-<p:properties xmlns:p="http://schemas.microsoft.com/office/2006/metadata/properties" xmlns:xsi="http://www.w3.org/2001/XMLSchema-instance" xmlns:pc="http://schemas.microsoft.com/office/infopath/2007/PartnerControls">
-  <documentManagement>
-    <TaxCatchAll xmlns="820f9cb1-409d-4c4b-8197-1d4f7dd48124" xsi:nil="true"/>
-    <lcf76f155ced4ddcb4097134ff3c332f xmlns="08600313-7276-4ca7-b5d3-7d86193ee0ac">
-      <Terms xmlns="http://schemas.microsoft.com/office/infopath/2007/PartnerControls"/>
-    </lcf76f155ced4ddcb4097134ff3c332f>
-  </documentManagement>
-</p:properties>
-</file>
-
 <file path=customXml/itemProps1.xml><?xml version="1.0" encoding="utf-8"?>
 <ds:datastoreItem xmlns:ds="http://schemas.openxmlformats.org/officeDocument/2006/customXml" ds:itemID="{497D5DD0-6988-40A3-ACE3-E3DC120C3DD3}">
   <ds:schemaRefs>
@@ -7166,6 +7310,17 @@
 </file>
 
 <file path=customXml/itemProps2.xml><?xml version="1.0" encoding="utf-8"?>
+<ds:datastoreItem xmlns:ds="http://schemas.openxmlformats.org/officeDocument/2006/customXml" ds:itemID="{ACFC3617-A446-41D4-B89F-413174CC8F31}">
+  <ds:schemaRefs>
+    <ds:schemaRef ds:uri="http://schemas.microsoft.com/office/2006/metadata/properties"/>
+    <ds:schemaRef ds:uri="http://schemas.microsoft.com/office/infopath/2007/PartnerControls"/>
+    <ds:schemaRef ds:uri="820f9cb1-409d-4c4b-8197-1d4f7dd48124"/>
+    <ds:schemaRef ds:uri="08600313-7276-4ca7-b5d3-7d86193ee0ac"/>
+  </ds:schemaRefs>
+</ds:datastoreItem>
+</file>
+
+<file path=customXml/itemProps3.xml><?xml version="1.0" encoding="utf-8"?>
 <ds:datastoreItem xmlns:ds="http://schemas.openxmlformats.org/officeDocument/2006/customXml" ds:itemID="{07E16780-08FD-41FA-9AD4-B6FC03A1F28F}">
   <ds:schemaRefs>
     <ds:schemaRef ds:uri="http://schemas.microsoft.com/office/2006/metadata/contentType"/>
@@ -7182,15 +7337,4 @@
     <ds:schemaRef ds:uri="http://schemas.microsoft.com/internal/obd"/>
   </ds:schemaRefs>
 </ds:datastoreItem>
-</file>
-
-<file path=customXml/itemProps3.xml><?xml version="1.0" encoding="utf-8"?>
-<ds:datastoreItem xmlns:ds="http://schemas.openxmlformats.org/officeDocument/2006/customXml" ds:itemID="{ACFC3617-A446-41D4-B89F-413174CC8F31}">
-  <ds:schemaRefs>
-    <ds:schemaRef ds:uri="http://schemas.microsoft.com/office/2006/metadata/properties"/>
-    <ds:schemaRef ds:uri="http://schemas.microsoft.com/office/infopath/2007/PartnerControls"/>
-    <ds:schemaRef ds:uri="820f9cb1-409d-4c4b-8197-1d4f7dd48124"/>
-    <ds:schemaRef ds:uri="08600313-7276-4ca7-b5d3-7d86193ee0ac"/>
-  </ds:schemaRefs>
-</ds:datastoreItem>
 </file>